--- a/Chapter1/HSC-ICT-1.6.pptx
+++ b/Chapter1/HSC-ICT-1.6.pptx
@@ -6095,58 +6095,54 @@
               <a:t>পাঠ</a:t>
             </a:r>
             <a:r>
-              <a:rPr lang="en-US" sz="4000"/>
-              <a:t> ৬ </a:t>
+              <a:rPr lang="en-US" sz="4000" dirty="0"/>
+              <a:t> ৬ : </a:t>
             </a:r>
             <a:r>
-              <a:rPr lang="en-US" sz="4000" dirty="0"/>
-              <a:t>: </a:t>
-            </a:r>
-            <a:r>
-              <a:rPr lang="en-US" sz="2400" dirty="0" err="1"/>
+              <a:rPr lang="en-US" sz="2200" dirty="0" err="1"/>
               <a:t>তথ্য</a:t>
             </a:r>
             <a:r>
-              <a:rPr lang="en-US" sz="2400" dirty="0"/>
+              <a:rPr lang="en-US" sz="2200" dirty="0"/>
               <a:t> ও </a:t>
             </a:r>
             <a:r>
-              <a:rPr lang="en-US" sz="2400" dirty="0" err="1"/>
+              <a:rPr lang="en-US" sz="2200" dirty="0" err="1"/>
               <a:t>যোগাযোগ</a:t>
             </a:r>
             <a:r>
-              <a:rPr lang="en-US" sz="2400" dirty="0"/>
+              <a:rPr lang="en-US" sz="2200" dirty="0"/>
               <a:t> </a:t>
             </a:r>
             <a:r>
-              <a:rPr lang="en-US" sz="2400" dirty="0" err="1"/>
+              <a:rPr lang="en-US" sz="2200" dirty="0" err="1"/>
               <a:t>প্রযুক্তি</a:t>
             </a:r>
             <a:r>
-              <a:rPr lang="en-US" sz="2400" dirty="0"/>
+              <a:rPr lang="en-US" sz="2200" dirty="0"/>
               <a:t> </a:t>
             </a:r>
             <a:r>
-              <a:rPr lang="en-US" sz="2400" dirty="0" err="1"/>
+              <a:rPr lang="en-US" sz="2200" dirty="0" err="1"/>
               <a:t>এবং</a:t>
             </a:r>
             <a:r>
-              <a:rPr lang="en-US" sz="2400" dirty="0"/>
+              <a:rPr lang="en-US" sz="2200" dirty="0"/>
               <a:t> </a:t>
             </a:r>
             <a:r>
-              <a:rPr lang="en-US" sz="2400" dirty="0" err="1"/>
+              <a:rPr lang="en-US" sz="2200" dirty="0" err="1"/>
               <a:t>অর্থনৈতিক</a:t>
             </a:r>
             <a:r>
-              <a:rPr lang="en-US" sz="2400" dirty="0"/>
+              <a:rPr lang="en-US" sz="2200" dirty="0"/>
               <a:t> </a:t>
             </a:r>
             <a:r>
-              <a:rPr lang="en-US" sz="2400" dirty="0" err="1"/>
+              <a:rPr lang="en-US" sz="2200" dirty="0" err="1"/>
               <a:t>উন্নয়ন</a:t>
             </a:r>
-            <a:endParaRPr lang="en-US" sz="4400" dirty="0"/>
+            <a:endParaRPr lang="en-US" sz="2200" dirty="0"/>
           </a:p>
         </p:txBody>
       </p:sp>
